--- a/доклад.pptx
+++ b/доклад.pptx
@@ -5,7 +5,7 @@
     <p:sldMasterId id="2147483660" r:id="rId1"/>
   </p:sldMasterIdLst>
   <p:notesMasterIdLst>
-    <p:notesMasterId r:id="rId21"/>
+    <p:notesMasterId r:id="rId22"/>
   </p:notesMasterIdLst>
   <p:sldIdLst>
     <p:sldId id="256" r:id="rId2"/>
@@ -13,7 +13,7 @@
     <p:sldId id="265" r:id="rId4"/>
     <p:sldId id="257" r:id="rId5"/>
     <p:sldId id="262" r:id="rId6"/>
-    <p:sldId id="266" r:id="rId7"/>
+    <p:sldId id="281" r:id="rId7"/>
     <p:sldId id="261" r:id="rId8"/>
     <p:sldId id="267" r:id="rId9"/>
     <p:sldId id="268" r:id="rId10"/>
@@ -23,10 +23,11 @@
     <p:sldId id="275" r:id="rId14"/>
     <p:sldId id="276" r:id="rId15"/>
     <p:sldId id="277" r:id="rId16"/>
-    <p:sldId id="279" r:id="rId17"/>
-    <p:sldId id="280" r:id="rId18"/>
+    <p:sldId id="280" r:id="rId17"/>
+    <p:sldId id="279" r:id="rId18"/>
     <p:sldId id="271" r:id="rId19"/>
-    <p:sldId id="272" r:id="rId20"/>
+    <p:sldId id="282" r:id="rId20"/>
+    <p:sldId id="272" r:id="rId21"/>
   </p:sldIdLst>
   <p:sldSz cx="9144000" cy="5715000" type="screen16x10"/>
   <p:notesSz cx="6858000" cy="9144000"/>
@@ -149,10 +150,26 @@
           <a:lstStyle/>
           <a:p>
             <a:pPr>
-              <a:defRPr sz="1050"/>
+              <a:defRPr sz="1200">
+                <a:effectLst>
+                  <a:outerShdw blurRad="38100" dist="38100" dir="2700000" algn="tl">
+                    <a:srgbClr val="000000">
+                      <a:alpha val="43137"/>
+                    </a:srgbClr>
+                  </a:outerShdw>
+                </a:effectLst>
+              </a:defRPr>
             </a:pPr>
             <a:r>
-              <a:rPr lang="ru-RU" sz="1050"/>
+              <a:rPr lang="ru-RU" sz="1200">
+                <a:effectLst>
+                  <a:outerShdw blurRad="38100" dist="38100" dir="2700000" algn="tl">
+                    <a:srgbClr val="000000">
+                      <a:alpha val="43137"/>
+                    </a:srgbClr>
+                  </a:outerShdw>
+                </a:effectLst>
+              </a:rPr>
               <a:t>Визуальное представление графика работ, построенное согласно плану индивидуального проекта</a:t>
             </a:r>
           </a:p>
@@ -170,7 +187,7 @@
           <c:yMode val="edge"/>
           <c:x val="0.40131938268029088"/>
           <c:y val="0.14601255169703586"/>
-          <c:w val="0.40526554755540406"/>
+          <c:w val="0.46742848244548418"/>
           <c:h val="0.82091554947409284"/>
         </c:manualLayout>
       </c:layout>
@@ -521,11 +538,11 @@
         </c:dLbls>
         <c:gapWidth val="150"/>
         <c:overlap val="100"/>
-        <c:axId val="155478528"/>
-        <c:axId val="147404416"/>
+        <c:axId val="127939584"/>
+        <c:axId val="121722496"/>
       </c:barChart>
       <c:catAx>
-        <c:axId val="155478528"/>
+        <c:axId val="127939584"/>
         <c:scaling>
           <c:orientation val="maxMin"/>
         </c:scaling>
@@ -539,12 +556,12 @@
           <a:lstStyle/>
           <a:p>
             <a:pPr>
-              <a:defRPr sz="600"/>
+              <a:defRPr sz="800" b="1"/>
             </a:pPr>
             <a:endParaRPr lang="ru-RU"/>
           </a:p>
         </c:txPr>
-        <c:crossAx val="147404416"/>
+        <c:crossAx val="121722496"/>
         <c:crosses val="autoZero"/>
         <c:auto val="1"/>
         <c:lblAlgn val="ctr"/>
@@ -552,7 +569,7 @@
         <c:noMultiLvlLbl val="0"/>
       </c:catAx>
       <c:valAx>
-        <c:axId val="147404416"/>
+        <c:axId val="121722496"/>
         <c:scaling>
           <c:orientation val="minMax"/>
         </c:scaling>
@@ -568,12 +585,12 @@
           <a:lstStyle/>
           <a:p>
             <a:pPr>
-              <a:defRPr sz="400" b="1"/>
+              <a:defRPr sz="600" b="1"/>
             </a:pPr>
             <a:endParaRPr lang="ru-RU"/>
           </a:p>
         </c:txPr>
-        <c:crossAx val="155478528"/>
+        <c:crossAx val="127939584"/>
         <c:crosses val="autoZero"/>
         <c:crossBetween val="between"/>
       </c:valAx>
@@ -675,7 +692,7 @@
           <a:p>
             <a:fld id="{D74AD31B-C9DC-459D-BFEE-73FBEF996708}" type="datetimeFigureOut">
               <a:rPr lang="ru-RU" smtClean="0"/>
-              <a:t>08.11.2024</a:t>
+              <a:t>09.11.2024</a:t>
             </a:fld>
             <a:endParaRPr lang="ru-RU"/>
           </a:p>
@@ -1008,7 +1025,7 @@
           <a:p>
             <a:fld id="{20A25A5F-0430-415E-A548-6F540A7E60E8}" type="slidenum">
               <a:rPr lang="ru-RU" smtClean="0"/>
-              <a:t>16</a:t>
+              <a:t>17</a:t>
             </a:fld>
             <a:endParaRPr lang="ru-RU"/>
           </a:p>
@@ -1307,7 +1324,7 @@
           <a:p>
             <a:fld id="{569512A0-543C-4BF3-8FBF-3C17417F3AC2}" type="datetime1">
               <a:rPr lang="ru-RU" smtClean="0"/>
-              <a:t>08.11.2024</a:t>
+              <a:t>09.11.2024</a:t>
             </a:fld>
             <a:endParaRPr lang="ru-RU"/>
           </a:p>
@@ -1700,7 +1717,7 @@
           <a:p>
             <a:fld id="{D064302B-1375-4810-8BBF-DD651A46AC01}" type="datetime1">
               <a:rPr lang="ru-RU" smtClean="0"/>
-              <a:t>08.11.2024</a:t>
+              <a:t>09.11.2024</a:t>
             </a:fld>
             <a:endParaRPr lang="ru-RU"/>
           </a:p>
@@ -2232,7 +2249,7 @@
           <a:p>
             <a:fld id="{DDDED5A8-5766-4CFD-937E-D47E7F44C31B}" type="datetime1">
               <a:rPr lang="ru-RU" smtClean="0"/>
-              <a:t>08.11.2024</a:t>
+              <a:t>09.11.2024</a:t>
             </a:fld>
             <a:endParaRPr lang="ru-RU"/>
           </a:p>
@@ -2365,7 +2382,7 @@
           <a:p>
             <a:fld id="{9F087BCE-76CD-470D-B9AC-9F9DDF727CF7}" type="datetime1">
               <a:rPr lang="ru-RU" smtClean="0"/>
-              <a:t>08.11.2024</a:t>
+              <a:t>09.11.2024</a:t>
             </a:fld>
             <a:endParaRPr lang="ru-RU"/>
           </a:p>
@@ -2908,7 +2925,7 @@
           <a:p>
             <a:fld id="{902F82D4-E436-4749-A72E-46D366174587}" type="datetime1">
               <a:rPr lang="ru-RU" smtClean="0"/>
-              <a:t>08.11.2024</a:t>
+              <a:t>09.11.2024</a:t>
             </a:fld>
             <a:endParaRPr lang="ru-RU"/>
           </a:p>
@@ -3203,7 +3220,7 @@
           <a:p>
             <a:fld id="{3C23011C-8C7E-453D-8E59-F5914A47FCB1}" type="datetime1">
               <a:rPr lang="ru-RU" smtClean="0"/>
-              <a:t>08.11.2024</a:t>
+              <a:t>09.11.2024</a:t>
             </a:fld>
             <a:endParaRPr lang="ru-RU"/>
           </a:p>
@@ -3862,7 +3879,7 @@
           <a:p>
             <a:fld id="{8F1CB0AC-102A-448C-9DBE-FD2AD3D0407F}" type="datetime1">
               <a:rPr lang="ru-RU" smtClean="0"/>
-              <a:t>08.11.2024</a:t>
+              <a:t>09.11.2024</a:t>
             </a:fld>
             <a:endParaRPr lang="ru-RU"/>
           </a:p>
@@ -4298,7 +4315,7 @@
           <a:p>
             <a:fld id="{7524A8E6-BDD4-49E3-A087-9AE618AB4A8C}" type="datetime1">
               <a:rPr lang="ru-RU" smtClean="0"/>
-              <a:t>08.11.2024</a:t>
+              <a:t>09.11.2024</a:t>
             </a:fld>
             <a:endParaRPr lang="ru-RU"/>
           </a:p>
@@ -4611,7 +4628,7 @@
           <a:p>
             <a:fld id="{281E30D0-A62C-4AF1-B3A5-C002CE4D3276}" type="datetime1">
               <a:rPr lang="ru-RU" smtClean="0"/>
-              <a:t>08.11.2024</a:t>
+              <a:t>09.11.2024</a:t>
             </a:fld>
             <a:endParaRPr lang="ru-RU"/>
           </a:p>
@@ -5343,7 +5360,7 @@
           <a:p>
             <a:fld id="{0DEFE999-7D55-42B1-9DC0-76734228AF81}" type="datetime1">
               <a:rPr lang="ru-RU" smtClean="0"/>
-              <a:t>08.11.2024</a:t>
+              <a:t>09.11.2024</a:t>
             </a:fld>
             <a:endParaRPr lang="ru-RU"/>
           </a:p>
@@ -6007,7 +6024,7 @@
           <a:p>
             <a:fld id="{84ADF091-D3E1-42B9-AA8F-19CBBD11B987}" type="datetime1">
               <a:rPr lang="ru-RU" smtClean="0"/>
-              <a:t>08.11.2024</a:t>
+              <a:t>09.11.2024</a:t>
             </a:fld>
             <a:endParaRPr lang="ru-RU"/>
           </a:p>
@@ -6280,7 +6297,7 @@
           <a:p>
             <a:fld id="{37CF0C4B-A454-4A71-873A-08FA1164EF4F}" type="datetime1">
               <a:rPr lang="ru-RU" smtClean="0"/>
-              <a:t>08.11.2024</a:t>
+              <a:t>09.11.2024</a:t>
             </a:fld>
             <a:endParaRPr lang="ru-RU"/>
           </a:p>
@@ -7159,7 +7176,7 @@
           <p:nvPr>
             <p:extLst>
               <p:ext uri="{D42A27DB-BD31-4B8C-83A1-F6EECF244321}">
-                <p14:modId xmlns:p14="http://schemas.microsoft.com/office/powerpoint/2010/main" val="3561545168"/>
+                <p14:modId xmlns:p14="http://schemas.microsoft.com/office/powerpoint/2010/main" val="645160203"/>
               </p:ext>
             </p:extLst>
           </p:nvPr>
@@ -7296,7 +7313,7 @@
         </p:nvSpPr>
         <p:spPr>
           <a:xfrm>
-            <a:off x="683568" y="1489348"/>
+            <a:off x="683568" y="1561356"/>
             <a:ext cx="7632848" cy="2400657"/>
           </a:xfrm>
           <a:prstGeom prst="rect">
@@ -7360,9 +7377,14 @@
               <a:t>контроля </a:t>
             </a:r>
             <a:r>
-              <a:rPr lang="ru-RU" sz="2000" dirty="0" smtClean="0"/>
-              <a:t>версий;</a:t>
-            </a:r>
+              <a:rPr lang="ru-RU" sz="2000" smtClean="0"/>
+              <a:t>версий</a:t>
+            </a:r>
+            <a:r>
+              <a:rPr lang="ru-RU" sz="2000" smtClean="0"/>
+              <a:t>;</a:t>
+            </a:r>
+            <a:endParaRPr lang="ru-RU" sz="2000" dirty="0" smtClean="0"/>
           </a:p>
           <a:p>
             <a:pPr marL="342900" indent="-342900">
@@ -7961,8 +7983,8 @@
         </p:blipFill>
         <p:spPr bwMode="auto">
           <a:xfrm>
-            <a:off x="1235286" y="716424"/>
-            <a:ext cx="6692900" cy="4589348"/>
+            <a:off x="683568" y="747276"/>
+            <a:ext cx="7776864" cy="4589348"/>
           </a:xfrm>
           <a:prstGeom prst="rect">
             <a:avLst/>
@@ -8000,8 +8022,8 @@
         </p:nvSpPr>
         <p:spPr>
           <a:xfrm>
-            <a:off x="251520" y="193204"/>
-            <a:ext cx="8640960" cy="523220"/>
+            <a:off x="107504" y="121196"/>
+            <a:ext cx="8784976" cy="738664"/>
           </a:xfrm>
           <a:prstGeom prst="rect">
             <a:avLst/>
@@ -8015,19 +8037,19 @@
           <a:p>
             <a:pPr algn="ctr"/>
             <a:r>
-              <a:rPr lang="ru-RU" sz="1400" dirty="0" smtClean="0"/>
+              <a:rPr lang="ru-RU" sz="1400" b="1" dirty="0" smtClean="0"/>
               <a:t>Информационный продукт индивидуального проекта в виде схемы </a:t>
             </a:r>
             <a:r>
-              <a:rPr lang="ru-RU" sz="1400" dirty="0"/>
+              <a:rPr lang="ru-RU" sz="1400" b="1" dirty="0"/>
               <a:t>магистрально-модульного принципа построения компьютера в </a:t>
             </a:r>
             <a:r>
-              <a:rPr lang="en-US" sz="1400" dirty="0"/>
+              <a:rPr lang="en-US" sz="1400" b="1" dirty="0"/>
               <a:t>MS Word</a:t>
             </a:r>
             <a:r>
-              <a:rPr lang="ru-RU" sz="1400" dirty="0"/>
+              <a:rPr lang="ru-RU" sz="1400" b="1" dirty="0"/>
               <a:t> с использованием графических объектов </a:t>
             </a:r>
           </a:p>
@@ -8116,8 +8138,8 @@
         </p:blipFill>
         <p:spPr bwMode="auto">
           <a:xfrm>
-            <a:off x="1587500" y="705971"/>
-            <a:ext cx="5969000" cy="4578350"/>
+            <a:off x="1187624" y="705971"/>
+            <a:ext cx="6840760" cy="4578350"/>
           </a:xfrm>
           <a:prstGeom prst="rect">
             <a:avLst/>
@@ -8171,18 +8193,18 @@
           <a:p>
             <a:pPr algn="ctr"/>
             <a:r>
-              <a:rPr lang="ru-RU" sz="1600" dirty="0" smtClean="0"/>
+              <a:rPr lang="ru-RU" sz="1600" b="1" dirty="0" smtClean="0"/>
               <a:t>Информационный продукт индивидуального проекта в виде  буклета </a:t>
             </a:r>
             <a:r>
-              <a:rPr lang="ru-RU" sz="1600" dirty="0"/>
+              <a:rPr lang="ru-RU" sz="1600" b="1" dirty="0"/>
               <a:t>по занимательной информатике с использованием </a:t>
             </a:r>
             <a:r>
-              <a:rPr lang="en-US" sz="1600" dirty="0"/>
+              <a:rPr lang="en-US" sz="1600" b="1" dirty="0"/>
               <a:t>MS Publisher</a:t>
             </a:r>
-            <a:endParaRPr lang="ru-RU" sz="1600" dirty="0"/>
+            <a:endParaRPr lang="ru-RU" sz="1600" b="1" dirty="0"/>
           </a:p>
         </p:txBody>
       </p:sp>
@@ -8376,29 +8398,52 @@
           <a:chExt cx="0" cy="0"/>
         </a:xfrm>
       </p:grpSpPr>
+      <p:sp>
+        <p:nvSpPr>
+          <p:cNvPr id="2" name="Номер слайда 1"/>
+          <p:cNvSpPr>
+            <a:spLocks noGrp="1"/>
+          </p:cNvSpPr>
+          <p:nvPr>
+            <p:ph type="sldNum" sz="quarter" idx="12"/>
+          </p:nvPr>
+        </p:nvSpPr>
+        <p:spPr/>
+        <p:txBody>
+          <a:bodyPr/>
+          <a:lstStyle/>
+          <a:p>
+            <a:fld id="{9E5A0091-734E-4307-8897-0C6395966FEC}" type="slidenum">
+              <a:rPr lang="ru-RU" smtClean="0"/>
+              <a:t>16</a:t>
+            </a:fld>
+            <a:endParaRPr lang="ru-RU"/>
+          </a:p>
+        </p:txBody>
+      </p:sp>
       <p:pic>
         <p:nvPicPr>
-          <p:cNvPr id="5122" name="Picture 2"/>
+          <p:cNvPr id="1026" name="Picture 2"/>
           <p:cNvPicPr>
             <a:picLocks noChangeAspect="1" noChangeArrowheads="1"/>
           </p:cNvPicPr>
           <p:nvPr/>
         </p:nvPicPr>
         <p:blipFill rotWithShape="1">
-          <a:blip r:embed="rId3">
+          <a:blip r:embed="rId2">
             <a:extLst>
               <a:ext uri="{28A0092B-C50C-407E-A947-70E740481C1C}">
                 <a14:useLocalDpi xmlns:a14="http://schemas.microsoft.com/office/drawing/2010/main" val="0"/>
               </a:ext>
             </a:extLst>
           </a:blip>
-          <a:srcRect b="4917"/>
+          <a:srcRect b="29300"/>
           <a:stretch/>
         </p:blipFill>
         <p:spPr bwMode="auto">
           <a:xfrm>
-            <a:off x="107504" y="131642"/>
-            <a:ext cx="8928992" cy="5462162"/>
+            <a:off x="395536" y="769268"/>
+            <a:ext cx="8376592" cy="4364293"/>
           </a:xfrm>
           <a:prstGeom prst="rect">
             <a:avLst/>
@@ -8430,85 +8475,42 @@
       </p:pic>
       <p:sp>
         <p:nvSpPr>
-          <p:cNvPr id="2" name="Номер слайда 1"/>
-          <p:cNvSpPr>
-            <a:spLocks noGrp="1"/>
-          </p:cNvSpPr>
-          <p:nvPr>
-            <p:ph type="sldNum" sz="quarter" idx="12"/>
-          </p:nvPr>
-        </p:nvSpPr>
-        <p:spPr/>
-        <p:txBody>
-          <a:bodyPr/>
-          <a:lstStyle/>
-          <a:p>
-            <a:fld id="{9E5A0091-734E-4307-8897-0C6395966FEC}" type="slidenum">
-              <a:rPr lang="ru-RU" smtClean="0"/>
-              <a:t>16</a:t>
-            </a:fld>
-            <a:endParaRPr lang="ru-RU"/>
-          </a:p>
-        </p:txBody>
-      </p:sp>
-      <p:pic>
-        <p:nvPicPr>
-          <p:cNvPr id="5123" name="Picture 3"/>
-          <p:cNvPicPr>
-            <a:picLocks noChangeAspect="1" noChangeArrowheads="1"/>
-          </p:cNvPicPr>
-          <p:nvPr/>
-        </p:nvPicPr>
-        <p:blipFill>
-          <a:blip r:embed="rId4">
-            <a:extLst>
-              <a:ext uri="{28A0092B-C50C-407E-A947-70E740481C1C}">
-                <a14:useLocalDpi xmlns:a14="http://schemas.microsoft.com/office/drawing/2010/main" val="0"/>
-              </a:ext>
-            </a:extLst>
-          </a:blip>
-          <a:srcRect/>
-          <a:stretch>
-            <a:fillRect/>
-          </a:stretch>
-        </p:blipFill>
-        <p:spPr bwMode="auto">
-          <a:xfrm>
-            <a:off x="4211960" y="3361556"/>
-            <a:ext cx="4629150" cy="1619250"/>
+          <p:cNvPr id="3" name="Прямоугольник 2"/>
+          <p:cNvSpPr/>
+          <p:nvPr/>
+        </p:nvSpPr>
+        <p:spPr>
+          <a:xfrm>
+            <a:off x="323528" y="192762"/>
+            <a:ext cx="8496944" cy="523220"/>
           </a:xfrm>
           <a:prstGeom prst="rect">
             <a:avLst/>
           </a:prstGeom>
-          <a:noFill/>
-          <a:ln>
-            <a:noFill/>
-          </a:ln>
-          <a:extLst>
-            <a:ext uri="{909E8E84-426E-40DD-AFC4-6F175D3DCCD1}">
-              <a14:hiddenFill xmlns:a14="http://schemas.microsoft.com/office/drawing/2010/main">
-                <a:solidFill>
-                  <a:schemeClr val="accent1"/>
-                </a:solidFill>
-              </a14:hiddenFill>
-            </a:ext>
-            <a:ext uri="{91240B29-F687-4F45-9708-019B960494DF}">
-              <a14:hiddenLine xmlns:a14="http://schemas.microsoft.com/office/drawing/2010/main" w="9525">
-                <a:solidFill>
-                  <a:schemeClr val="tx1"/>
-                </a:solidFill>
-                <a:miter lim="800000"/>
-                <a:headEnd/>
-                <a:tailEnd/>
-              </a14:hiddenLine>
-            </a:ext>
-          </a:extLst>
-        </p:spPr>
-      </p:pic>
+        </p:spPr>
+        <p:txBody>
+          <a:bodyPr wrap="square">
+            <a:spAutoFit/>
+          </a:bodyPr>
+          <a:lstStyle/>
+          <a:p>
+            <a:pPr algn="ctr"/>
+            <a:r>
+              <a:rPr lang="ru-RU" sz="1400" b="1" dirty="0"/>
+              <a:t>Информационный продукт индивидуального проекта в виде </a:t>
+            </a:r>
+            <a:r>
+              <a:rPr lang="ru-RU" sz="1400" b="1" dirty="0" smtClean="0"/>
+              <a:t>веб-страницы «Расписание уроков»</a:t>
+            </a:r>
+            <a:endParaRPr lang="ru-RU" sz="1400" b="1" dirty="0"/>
+          </a:p>
+        </p:txBody>
+      </p:sp>
     </p:spTree>
     <p:extLst>
       <p:ext uri="{BB962C8B-B14F-4D97-AF65-F5344CB8AC3E}">
-        <p14:creationId xmlns:p14="http://schemas.microsoft.com/office/powerpoint/2010/main" val="1277184180"/>
+        <p14:creationId xmlns:p14="http://schemas.microsoft.com/office/powerpoint/2010/main" val="3640467264"/>
       </p:ext>
     </p:extLst>
   </p:cSld>
@@ -8542,6 +8544,58 @@
           <a:chExt cx="0" cy="0"/>
         </a:xfrm>
       </p:grpSpPr>
+      <p:pic>
+        <p:nvPicPr>
+          <p:cNvPr id="5122" name="Picture 2"/>
+          <p:cNvPicPr>
+            <a:picLocks noChangeAspect="1" noChangeArrowheads="1"/>
+          </p:cNvPicPr>
+          <p:nvPr/>
+        </p:nvPicPr>
+        <p:blipFill rotWithShape="1">
+          <a:blip r:embed="rId3">
+            <a:extLst>
+              <a:ext uri="{28A0092B-C50C-407E-A947-70E740481C1C}">
+                <a14:useLocalDpi xmlns:a14="http://schemas.microsoft.com/office/drawing/2010/main" val="0"/>
+              </a:ext>
+            </a:extLst>
+          </a:blip>
+          <a:srcRect b="4917"/>
+          <a:stretch/>
+        </p:blipFill>
+        <p:spPr bwMode="auto">
+          <a:xfrm>
+            <a:off x="179512" y="553244"/>
+            <a:ext cx="8784976" cy="4752528"/>
+          </a:xfrm>
+          <a:prstGeom prst="rect">
+            <a:avLst/>
+          </a:prstGeom>
+          <a:noFill/>
+          <a:ln>
+            <a:noFill/>
+          </a:ln>
+          <a:extLst>
+            <a:ext uri="{909E8E84-426E-40DD-AFC4-6F175D3DCCD1}">
+              <a14:hiddenFill xmlns:a14="http://schemas.microsoft.com/office/drawing/2010/main">
+                <a:solidFill>
+                  <a:schemeClr val="accent1"/>
+                </a:solidFill>
+              </a14:hiddenFill>
+            </a:ext>
+            <a:ext uri="{91240B29-F687-4F45-9708-019B960494DF}">
+              <a14:hiddenLine xmlns:a14="http://schemas.microsoft.com/office/drawing/2010/main" w="9525">
+                <a:solidFill>
+                  <a:schemeClr val="tx1"/>
+                </a:solidFill>
+                <a:miter lim="800000"/>
+                <a:headEnd/>
+                <a:tailEnd/>
+              </a14:hiddenLine>
+            </a:ext>
+          </a:extLst>
+        </p:spPr>
+      </p:pic>
       <p:sp>
         <p:nvSpPr>
           <p:cNvPr id="2" name="Номер слайда 1"/>
@@ -8565,10 +8619,98 @@
           </a:p>
         </p:txBody>
       </p:sp>
+      <p:pic>
+        <p:nvPicPr>
+          <p:cNvPr id="5123" name="Picture 3"/>
+          <p:cNvPicPr>
+            <a:picLocks noChangeAspect="1" noChangeArrowheads="1"/>
+          </p:cNvPicPr>
+          <p:nvPr/>
+        </p:nvPicPr>
+        <p:blipFill>
+          <a:blip r:embed="rId4">
+            <a:extLst>
+              <a:ext uri="{28A0092B-C50C-407E-A947-70E740481C1C}">
+                <a14:useLocalDpi xmlns:a14="http://schemas.microsoft.com/office/drawing/2010/main" val="0"/>
+              </a:ext>
+            </a:extLst>
+          </a:blip>
+          <a:srcRect/>
+          <a:stretch>
+            <a:fillRect/>
+          </a:stretch>
+        </p:blipFill>
+        <p:spPr bwMode="auto">
+          <a:xfrm>
+            <a:off x="4211960" y="3361556"/>
+            <a:ext cx="4536504" cy="1619250"/>
+          </a:xfrm>
+          <a:prstGeom prst="rect">
+            <a:avLst/>
+          </a:prstGeom>
+          <a:noFill/>
+          <a:ln>
+            <a:noFill/>
+          </a:ln>
+          <a:extLst>
+            <a:ext uri="{909E8E84-426E-40DD-AFC4-6F175D3DCCD1}">
+              <a14:hiddenFill xmlns:a14="http://schemas.microsoft.com/office/drawing/2010/main">
+                <a:solidFill>
+                  <a:schemeClr val="accent1"/>
+                </a:solidFill>
+              </a14:hiddenFill>
+            </a:ext>
+            <a:ext uri="{91240B29-F687-4F45-9708-019B960494DF}">
+              <a14:hiddenLine xmlns:a14="http://schemas.microsoft.com/office/drawing/2010/main" w="9525">
+                <a:solidFill>
+                  <a:schemeClr val="tx1"/>
+                </a:solidFill>
+                <a:miter lim="800000"/>
+                <a:headEnd/>
+                <a:tailEnd/>
+              </a14:hiddenLine>
+            </a:ext>
+          </a:extLst>
+        </p:spPr>
+      </p:pic>
+      <p:sp>
+        <p:nvSpPr>
+          <p:cNvPr id="3" name="Прямоугольник 2"/>
+          <p:cNvSpPr/>
+          <p:nvPr/>
+        </p:nvSpPr>
+        <p:spPr>
+          <a:xfrm>
+            <a:off x="323528" y="121196"/>
+            <a:ext cx="8568952" cy="523220"/>
+          </a:xfrm>
+          <a:prstGeom prst="rect">
+            <a:avLst/>
+          </a:prstGeom>
+        </p:spPr>
+        <p:txBody>
+          <a:bodyPr wrap="square">
+            <a:spAutoFit/>
+          </a:bodyPr>
+          <a:lstStyle/>
+          <a:p>
+            <a:pPr algn="ctr"/>
+            <a:r>
+              <a:rPr lang="ru-RU" sz="1400" b="1" dirty="0"/>
+              <a:t>Информационный продукт индивидуального проекта в виде </a:t>
+            </a:r>
+            <a:r>
+              <a:rPr lang="ru-RU" sz="1400" b="1" dirty="0" smtClean="0"/>
+              <a:t>консольного приложения для решения квадратного уравнения</a:t>
+            </a:r>
+            <a:endParaRPr lang="ru-RU" sz="1400" b="1" dirty="0"/>
+          </a:p>
+        </p:txBody>
+      </p:sp>
     </p:spTree>
     <p:extLst>
       <p:ext uri="{BB962C8B-B14F-4D97-AF65-F5344CB8AC3E}">
-        <p14:creationId xmlns:p14="http://schemas.microsoft.com/office/powerpoint/2010/main" val="3640467264"/>
+        <p14:creationId xmlns:p14="http://schemas.microsoft.com/office/powerpoint/2010/main" val="1277184180"/>
       </p:ext>
     </p:extLst>
   </p:cSld>
@@ -8835,13 +8977,13 @@
       </p:sp>
       <p:pic>
         <p:nvPicPr>
-          <p:cNvPr id="2050" name="Picture 2" descr="Инструменты управления проектами: ТОП-10 самых используемых программ"/>
+          <p:cNvPr id="2050" name="Picture 2"/>
           <p:cNvPicPr>
             <a:picLocks noChangeAspect="1" noChangeArrowheads="1"/>
           </p:cNvPicPr>
           <p:nvPr/>
         </p:nvPicPr>
-        <p:blipFill>
+        <p:blipFill rotWithShape="1">
           <a:blip r:embed="rId2">
             <a:extLst>
               <a:ext uri="{28A0092B-C50C-407E-A947-70E740481C1C}">
@@ -8849,100 +8991,67 @@
               </a:ext>
             </a:extLst>
           </a:blip>
-          <a:srcRect/>
-          <a:stretch>
-            <a:fillRect/>
-          </a:stretch>
+          <a:srcRect b="4524"/>
+          <a:stretch/>
         </p:blipFill>
         <p:spPr bwMode="auto">
           <a:xfrm>
-            <a:off x="179512" y="121196"/>
-            <a:ext cx="8784976" cy="5184576"/>
+            <a:off x="395536" y="609735"/>
+            <a:ext cx="8208912" cy="4680520"/>
           </a:xfrm>
           <a:prstGeom prst="rect">
             <a:avLst/>
           </a:prstGeom>
           <a:noFill/>
+          <a:ln>
+            <a:noFill/>
+          </a:ln>
           <a:extLst>
             <a:ext uri="{909E8E84-426E-40DD-AFC4-6F175D3DCCD1}">
               <a14:hiddenFill xmlns:a14="http://schemas.microsoft.com/office/drawing/2010/main">
                 <a:solidFill>
-                  <a:srgbClr val="FFFFFF"/>
+                  <a:schemeClr val="accent1"/>
                 </a:solidFill>
               </a14:hiddenFill>
             </a:ext>
+            <a:ext uri="{91240B29-F687-4F45-9708-019B960494DF}">
+              <a14:hiddenLine xmlns:a14="http://schemas.microsoft.com/office/drawing/2010/main" w="9525">
+                <a:solidFill>
+                  <a:schemeClr val="tx1"/>
+                </a:solidFill>
+                <a:miter lim="800000"/>
+                <a:headEnd/>
+                <a:tailEnd/>
+              </a14:hiddenLine>
+            </a:ext>
           </a:extLst>
         </p:spPr>
       </p:pic>
       <p:sp>
         <p:nvSpPr>
-          <p:cNvPr id="3" name="TextBox 2"/>
-          <p:cNvSpPr txBox="1"/>
+          <p:cNvPr id="3" name="Прямоугольник 2"/>
+          <p:cNvSpPr/>
           <p:nvPr/>
         </p:nvSpPr>
         <p:spPr>
           <a:xfrm>
-            <a:off x="178091" y="3836002"/>
-            <a:ext cx="4104456" cy="1477328"/>
+            <a:off x="1043608" y="193204"/>
+            <a:ext cx="7056784" cy="369332"/>
           </a:xfrm>
           <a:prstGeom prst="rect">
             <a:avLst/>
           </a:prstGeom>
-          <a:noFill/>
-        </p:spPr>
-        <p:txBody>
-          <a:bodyPr wrap="square" rtlCol="0">
+        </p:spPr>
+        <p:txBody>
+          <a:bodyPr wrap="square">
             <a:spAutoFit/>
           </a:bodyPr>
           <a:lstStyle/>
           <a:p>
-            <a:pPr marL="285750" indent="-285750">
-              <a:buFont typeface="Wingdings" panose="05000000000000000000" pitchFamily="2" charset="2"/>
-              <a:buChar char="ü"/>
-            </a:pPr>
-            <a:r>
-              <a:rPr lang="ru-RU" dirty="0" smtClean="0"/>
-              <a:t>асинхронная связь;</a:t>
-            </a:r>
-          </a:p>
-          <a:p>
-            <a:pPr marL="285750" indent="-285750">
-              <a:buFont typeface="Wingdings" panose="05000000000000000000" pitchFamily="2" charset="2"/>
-              <a:buChar char="ü"/>
-            </a:pPr>
-            <a:r>
-              <a:rPr lang="ru-RU" dirty="0" smtClean="0"/>
-              <a:t>меньше управления;</a:t>
-            </a:r>
-          </a:p>
-          <a:p>
-            <a:pPr marL="285750" indent="-285750">
-              <a:buFont typeface="Wingdings" panose="05000000000000000000" pitchFamily="2" charset="2"/>
-              <a:buChar char="ü"/>
-            </a:pPr>
-            <a:r>
-              <a:rPr lang="ru-RU" dirty="0" smtClean="0"/>
-              <a:t>больше внимания к результатам;</a:t>
-            </a:r>
-          </a:p>
-          <a:p>
-            <a:pPr marL="285750" indent="-285750">
-              <a:buFont typeface="Wingdings" panose="05000000000000000000" pitchFamily="2" charset="2"/>
-              <a:buChar char="ü"/>
-            </a:pPr>
-            <a:r>
-              <a:rPr lang="ru-RU" dirty="0" smtClean="0"/>
-              <a:t>в авангарде аналитика;</a:t>
-            </a:r>
-          </a:p>
-          <a:p>
-            <a:pPr marL="285750" indent="-285750">
-              <a:buFont typeface="Wingdings" panose="05000000000000000000" pitchFamily="2" charset="2"/>
-              <a:buChar char="ü"/>
-            </a:pPr>
-            <a:r>
-              <a:rPr lang="ru-RU" dirty="0" smtClean="0"/>
-              <a:t>удаленный формат работы</a:t>
+            <a:pPr algn="ctr"/>
+            <a:r>
+              <a:rPr lang="ru-RU" b="1" dirty="0"/>
+              <a:t>Этап 4 - рефлексия и защита индивидуального проекта</a:t>
             </a:r>
             <a:endParaRPr lang="ru-RU" dirty="0"/>
           </a:p>
@@ -8950,39 +9059,36 @@
       </p:sp>
       <p:sp>
         <p:nvSpPr>
-          <p:cNvPr id="4" name="TextBox 3"/>
-          <p:cNvSpPr txBox="1"/>
+          <p:cNvPr id="4" name="Прямоугольник 3"/>
+          <p:cNvSpPr/>
           <p:nvPr/>
         </p:nvSpPr>
         <p:spPr>
           <a:xfrm>
-            <a:off x="5436096" y="121196"/>
-            <a:ext cx="3528392" cy="923330"/>
+            <a:off x="3851920" y="609735"/>
+            <a:ext cx="4572000" cy="276999"/>
           </a:xfrm>
           <a:prstGeom prst="rect">
             <a:avLst/>
           </a:prstGeom>
-          <a:noFill/>
-        </p:spPr>
-        <p:txBody>
-          <a:bodyPr wrap="square" rtlCol="0">
+        </p:spPr>
+        <p:txBody>
+          <a:bodyPr>
             <a:spAutoFit/>
           </a:bodyPr>
           <a:lstStyle/>
           <a:p>
-            <a:pPr algn="ctr"/>
-            <a:r>
-              <a:rPr lang="ru-RU" b="1" dirty="0" smtClean="0"/>
-              <a:t>Как цифровая трансформация изменяет управление проектами?</a:t>
-            </a:r>
-            <a:endParaRPr lang="ru-RU" b="1" dirty="0"/>
+            <a:r>
+              <a:rPr lang="ru-RU" sz="1200" dirty="0"/>
+              <a:t>https://prezi.com/view/bO60m2emaegP8itMQnHx/</a:t>
+            </a:r>
           </a:p>
         </p:txBody>
       </p:sp>
     </p:spTree>
     <p:extLst>
       <p:ext uri="{BB962C8B-B14F-4D97-AF65-F5344CB8AC3E}">
-        <p14:creationId xmlns:p14="http://schemas.microsoft.com/office/powerpoint/2010/main" val="700775686"/>
+        <p14:creationId xmlns:p14="http://schemas.microsoft.com/office/powerpoint/2010/main" val="3239911901"/>
       </p:ext>
     </p:extLst>
   </p:cSld>
@@ -9158,6 +9264,212 @@
     <p:extLst>
       <p:ext uri="{BB962C8B-B14F-4D97-AF65-F5344CB8AC3E}">
         <p14:creationId xmlns:p14="http://schemas.microsoft.com/office/powerpoint/2010/main" val="3145226262"/>
+      </p:ext>
+    </p:extLst>
+  </p:cSld>
+  <p:clrMapOvr>
+    <a:masterClrMapping/>
+  </p:clrMapOvr>
+  <p:timing>
+    <p:tnLst>
+      <p:par>
+        <p:cTn id="1" dur="indefinite" restart="never" nodeType="tmRoot"/>
+      </p:par>
+    </p:tnLst>
+  </p:timing>
+</p:sld>
+</file>
+
+<file path=ppt/slides/slide20.xml><?xml version="1.0" encoding="utf-8"?>
+<p:sld xmlns:a="http://schemas.openxmlformats.org/drawingml/2006/main" xmlns:r="http://schemas.openxmlformats.org/officeDocument/2006/relationships" xmlns:p="http://schemas.openxmlformats.org/presentationml/2006/main">
+  <p:cSld>
+    <p:spTree>
+      <p:nvGrpSpPr>
+        <p:cNvPr id="1" name=""/>
+        <p:cNvGrpSpPr/>
+        <p:nvPr/>
+      </p:nvGrpSpPr>
+      <p:grpSpPr>
+        <a:xfrm>
+          <a:off x="0" y="0"/>
+          <a:ext cx="0" cy="0"/>
+          <a:chOff x="0" y="0"/>
+          <a:chExt cx="0" cy="0"/>
+        </a:xfrm>
+      </p:grpSpPr>
+      <p:sp>
+        <p:nvSpPr>
+          <p:cNvPr id="2" name="Номер слайда 1"/>
+          <p:cNvSpPr>
+            <a:spLocks noGrp="1"/>
+          </p:cNvSpPr>
+          <p:nvPr>
+            <p:ph type="sldNum" sz="quarter" idx="12"/>
+          </p:nvPr>
+        </p:nvSpPr>
+        <p:spPr/>
+        <p:txBody>
+          <a:bodyPr/>
+          <a:lstStyle/>
+          <a:p>
+            <a:fld id="{9E5A0091-734E-4307-8897-0C6395966FEC}" type="slidenum">
+              <a:rPr lang="ru-RU" smtClean="0"/>
+              <a:t>20</a:t>
+            </a:fld>
+            <a:endParaRPr lang="ru-RU"/>
+          </a:p>
+        </p:txBody>
+      </p:sp>
+      <p:pic>
+        <p:nvPicPr>
+          <p:cNvPr id="2050" name="Picture 2" descr="Инструменты управления проектами: ТОП-10 самых используемых программ"/>
+          <p:cNvPicPr>
+            <a:picLocks noChangeAspect="1" noChangeArrowheads="1"/>
+          </p:cNvPicPr>
+          <p:nvPr/>
+        </p:nvPicPr>
+        <p:blipFill>
+          <a:blip r:embed="rId2">
+            <a:extLst>
+              <a:ext uri="{28A0092B-C50C-407E-A947-70E740481C1C}">
+                <a14:useLocalDpi xmlns:a14="http://schemas.microsoft.com/office/drawing/2010/main" val="0"/>
+              </a:ext>
+            </a:extLst>
+          </a:blip>
+          <a:srcRect/>
+          <a:stretch>
+            <a:fillRect/>
+          </a:stretch>
+        </p:blipFill>
+        <p:spPr bwMode="auto">
+          <a:xfrm>
+            <a:off x="179512" y="121196"/>
+            <a:ext cx="8784976" cy="5184576"/>
+          </a:xfrm>
+          <a:prstGeom prst="rect">
+            <a:avLst/>
+          </a:prstGeom>
+          <a:noFill/>
+          <a:extLst>
+            <a:ext uri="{909E8E84-426E-40DD-AFC4-6F175D3DCCD1}">
+              <a14:hiddenFill xmlns:a14="http://schemas.microsoft.com/office/drawing/2010/main">
+                <a:solidFill>
+                  <a:srgbClr val="FFFFFF"/>
+                </a:solidFill>
+              </a14:hiddenFill>
+            </a:ext>
+          </a:extLst>
+        </p:spPr>
+      </p:pic>
+      <p:sp>
+        <p:nvSpPr>
+          <p:cNvPr id="3" name="TextBox 2"/>
+          <p:cNvSpPr txBox="1"/>
+          <p:nvPr/>
+        </p:nvSpPr>
+        <p:spPr>
+          <a:xfrm>
+            <a:off x="178091" y="3836002"/>
+            <a:ext cx="4104456" cy="1477328"/>
+          </a:xfrm>
+          <a:prstGeom prst="rect">
+            <a:avLst/>
+          </a:prstGeom>
+          <a:noFill/>
+        </p:spPr>
+        <p:txBody>
+          <a:bodyPr wrap="square" rtlCol="0">
+            <a:spAutoFit/>
+          </a:bodyPr>
+          <a:lstStyle/>
+          <a:p>
+            <a:pPr marL="285750" indent="-285750">
+              <a:buFont typeface="Wingdings" panose="05000000000000000000" pitchFamily="2" charset="2"/>
+              <a:buChar char="ü"/>
+            </a:pPr>
+            <a:r>
+              <a:rPr lang="ru-RU" dirty="0" smtClean="0"/>
+              <a:t>асинхронная связь;</a:t>
+            </a:r>
+          </a:p>
+          <a:p>
+            <a:pPr marL="285750" indent="-285750">
+              <a:buFont typeface="Wingdings" panose="05000000000000000000" pitchFamily="2" charset="2"/>
+              <a:buChar char="ü"/>
+            </a:pPr>
+            <a:r>
+              <a:rPr lang="ru-RU" dirty="0" smtClean="0"/>
+              <a:t>меньше управления;</a:t>
+            </a:r>
+          </a:p>
+          <a:p>
+            <a:pPr marL="285750" indent="-285750">
+              <a:buFont typeface="Wingdings" panose="05000000000000000000" pitchFamily="2" charset="2"/>
+              <a:buChar char="ü"/>
+            </a:pPr>
+            <a:r>
+              <a:rPr lang="ru-RU" dirty="0" smtClean="0"/>
+              <a:t>больше внимания к результатам;</a:t>
+            </a:r>
+          </a:p>
+          <a:p>
+            <a:pPr marL="285750" indent="-285750">
+              <a:buFont typeface="Wingdings" panose="05000000000000000000" pitchFamily="2" charset="2"/>
+              <a:buChar char="ü"/>
+            </a:pPr>
+            <a:r>
+              <a:rPr lang="ru-RU" dirty="0" smtClean="0"/>
+              <a:t>в авангарде аналитика;</a:t>
+            </a:r>
+          </a:p>
+          <a:p>
+            <a:pPr marL="285750" indent="-285750">
+              <a:buFont typeface="Wingdings" panose="05000000000000000000" pitchFamily="2" charset="2"/>
+              <a:buChar char="ü"/>
+            </a:pPr>
+            <a:r>
+              <a:rPr lang="ru-RU" dirty="0" smtClean="0"/>
+              <a:t>удаленный формат работы</a:t>
+            </a:r>
+            <a:endParaRPr lang="ru-RU" dirty="0"/>
+          </a:p>
+        </p:txBody>
+      </p:sp>
+      <p:sp>
+        <p:nvSpPr>
+          <p:cNvPr id="4" name="TextBox 3"/>
+          <p:cNvSpPr txBox="1"/>
+          <p:nvPr/>
+        </p:nvSpPr>
+        <p:spPr>
+          <a:xfrm>
+            <a:off x="5436096" y="121196"/>
+            <a:ext cx="3528392" cy="923330"/>
+          </a:xfrm>
+          <a:prstGeom prst="rect">
+            <a:avLst/>
+          </a:prstGeom>
+          <a:noFill/>
+        </p:spPr>
+        <p:txBody>
+          <a:bodyPr wrap="square" rtlCol="0">
+            <a:spAutoFit/>
+          </a:bodyPr>
+          <a:lstStyle/>
+          <a:p>
+            <a:pPr algn="ctr"/>
+            <a:r>
+              <a:rPr lang="ru-RU" b="1" dirty="0" smtClean="0"/>
+              <a:t>Как цифровая трансформация изменяет управление проектами?</a:t>
+            </a:r>
+            <a:endParaRPr lang="ru-RU" b="1" dirty="0"/>
+          </a:p>
+        </p:txBody>
+      </p:sp>
+    </p:spTree>
+    <p:extLst>
+      <p:ext uri="{BB962C8B-B14F-4D97-AF65-F5344CB8AC3E}">
+        <p14:creationId xmlns:p14="http://schemas.microsoft.com/office/powerpoint/2010/main" val="700775686"/>
       </p:ext>
     </p:extLst>
   </p:cSld>
@@ -9658,22 +9970,68 @@
         </p:nvSpPr>
         <p:spPr>
           <a:xfrm>
-            <a:off x="467544" y="265212"/>
-            <a:ext cx="8280920" cy="1015663"/>
+            <a:off x="395535" y="337220"/>
+            <a:ext cx="2808313" cy="4824536"/>
           </a:xfrm>
           <a:prstGeom prst="rect">
             <a:avLst/>
           </a:prstGeom>
-        </p:spPr>
-        <p:txBody>
-          <a:bodyPr wrap="square">
-            <a:spAutoFit/>
-          </a:bodyPr>
-          <a:lstStyle/>
-          <a:p>
-            <a:pPr algn="ctr"/>
-            <a:r>
-              <a:rPr lang="ru-RU" sz="2000" b="1" dirty="0" smtClean="0">
+          <a:solidFill>
+            <a:schemeClr val="tx1">
+              <a:lumMod val="10000"/>
+              <a:lumOff val="90000"/>
+            </a:schemeClr>
+          </a:solidFill>
+          <a:ln>
+            <a:noFill/>
+          </a:ln>
+          <a:scene3d>
+            <a:camera prst="orthographicFront"/>
+            <a:lightRig rig="threePt" dir="t"/>
+          </a:scene3d>
+          <a:sp3d>
+            <a:bevelT/>
+          </a:sp3d>
+        </p:spPr>
+        <p:style>
+          <a:lnRef idx="2">
+            <a:schemeClr val="accent1">
+              <a:shade val="50000"/>
+            </a:schemeClr>
+          </a:lnRef>
+          <a:fillRef idx="1">
+            <a:schemeClr val="accent1"/>
+          </a:fillRef>
+          <a:effectRef idx="0">
+            <a:schemeClr val="accent1"/>
+          </a:effectRef>
+          <a:fontRef idx="minor">
+            <a:schemeClr val="lt1"/>
+          </a:fontRef>
+        </p:style>
+        <p:txBody>
+          <a:bodyPr rtlCol="0" anchor="ctr"/>
+          <a:lstStyle/>
+          <a:p>
+            <a:pPr algn="ctr">
+              <a:lnSpc>
+                <a:spcPct val="150000"/>
+              </a:lnSpc>
+            </a:pPr>
+            <a:r>
+              <a:rPr lang="ru-RU" b="1" dirty="0">
+                <a:ln>
+                  <a:solidFill>
+                    <a:schemeClr val="accent5">
+                      <a:lumMod val="50000"/>
+                    </a:schemeClr>
+                  </a:solidFill>
+                </a:ln>
+                <a:solidFill>
+                  <a:schemeClr val="accent3">
+                    <a:lumMod val="75000"/>
+                  </a:schemeClr>
+                </a:solidFill>
                 <a:effectLst>
                   <a:outerShdw blurRad="38100" dist="38100" dir="2700000" algn="tl">
                     <a:srgbClr val="000000">
@@ -9682,10 +10040,29 @@
                   </a:outerShdw>
                 </a:effectLst>
               </a:rPr>
-              <a:t>Коммуникационные </a:t>
-            </a:r>
-            <a:r>
-              <a:rPr lang="ru-RU" sz="2000" b="1" dirty="0">
+              <a:t>Коммуникационные цифровые инструменты  </a:t>
+            </a:r>
+          </a:p>
+          <a:p>
+            <a:pPr algn="ctr">
+              <a:lnSpc>
+                <a:spcPct val="150000"/>
+              </a:lnSpc>
+            </a:pPr>
+            <a:r>
+              <a:rPr lang="ru-RU" b="1" dirty="0">
+                <a:ln>
+                  <a:solidFill>
+                    <a:schemeClr val="accent5">
+                      <a:lumMod val="50000"/>
+                    </a:schemeClr>
+                  </a:solidFill>
+                </a:ln>
+                <a:solidFill>
+                  <a:schemeClr val="accent3">
+                    <a:lumMod val="75000"/>
+                  </a:schemeClr>
+                </a:solidFill>
                 <a:effectLst>
                   <a:outerShdw blurRad="38100" dist="38100" dir="2700000" algn="tl">
                     <a:srgbClr val="000000">
@@ -9694,60 +10071,21 @@
                   </a:outerShdw>
                 </a:effectLst>
               </a:rPr>
-              <a:t>цифровые </a:t>
-            </a:r>
-            <a:r>
-              <a:rPr lang="ru-RU" sz="2000" b="1" dirty="0" smtClean="0">
-                <a:effectLst>
-                  <a:outerShdw blurRad="38100" dist="38100" dir="2700000" algn="tl">
-                    <a:srgbClr val="000000">
-                      <a:alpha val="43137"/>
-                    </a:srgbClr>
-                  </a:outerShdw>
-                </a:effectLst>
-              </a:rPr>
-              <a:t>инструменты  </a:t>
-            </a:r>
-          </a:p>
-          <a:p>
-            <a:pPr algn="ctr"/>
-            <a:r>
-              <a:rPr lang="ru-RU" sz="2000" b="1" dirty="0" smtClean="0">
-                <a:effectLst>
-                  <a:outerShdw blurRad="38100" dist="38100" dir="2700000" algn="tl">
-                    <a:srgbClr val="000000">
-                      <a:alpha val="43137"/>
-                    </a:srgbClr>
-                  </a:outerShdw>
-                </a:effectLst>
-              </a:rPr>
-              <a:t>для </a:t>
-            </a:r>
-            <a:r>
-              <a:rPr lang="ru-RU" sz="2000" b="1" dirty="0">
-                <a:effectLst>
-                  <a:outerShdw blurRad="38100" dist="38100" dir="2700000" algn="tl">
-                    <a:srgbClr val="000000">
-                      <a:alpha val="43137"/>
-                    </a:srgbClr>
-                  </a:outerShdw>
-                </a:effectLst>
-              </a:rPr>
-              <a:t>организационно-методического сопровождения реализации индивидуального </a:t>
-            </a:r>
-            <a:r>
-              <a:rPr lang="ru-RU" sz="2000" b="1" dirty="0" smtClean="0">
-                <a:effectLst>
-                  <a:outerShdw blurRad="38100" dist="38100" dir="2700000" algn="tl">
-                    <a:srgbClr val="000000">
-                      <a:alpha val="43137"/>
-                    </a:srgbClr>
-                  </a:outerShdw>
-                </a:effectLst>
-              </a:rPr>
-              <a:t>проекта</a:t>
-            </a:r>
-            <a:endParaRPr lang="ru-RU" sz="2000" b="1" dirty="0">
+              <a:t>для организационно-методического сопровождения реализации индивидуального проекта</a:t>
+            </a:r>
+            <a:endParaRPr lang="ru-RU" b="1" dirty="0">
+              <a:ln>
+                <a:solidFill>
+                  <a:schemeClr val="accent5">
+                    <a:lumMod val="50000"/>
+                  </a:schemeClr>
+                </a:solidFill>
+              </a:ln>
+              <a:solidFill>
+                <a:schemeClr val="accent3">
+                  <a:lumMod val="75000"/>
+                </a:schemeClr>
+              </a:solidFill>
               <a:effectLst>
                 <a:outerShdw blurRad="38100" dist="38100" dir="2700000" algn="tl">
                   <a:srgbClr val="000000">
@@ -9761,14 +10099,120 @@
       </p:sp>
       <p:sp>
         <p:nvSpPr>
-          <p:cNvPr id="4" name="Прямоугольник 3"/>
+          <p:cNvPr id="4" name="TextBox 3"/>
+          <p:cNvSpPr txBox="1"/>
+          <p:nvPr/>
+        </p:nvSpPr>
+        <p:spPr>
+          <a:xfrm>
+            <a:off x="4716016" y="337220"/>
+            <a:ext cx="4032448" cy="1323439"/>
+          </a:xfrm>
+          <a:prstGeom prst="rect">
+            <a:avLst/>
+          </a:prstGeom>
+          <a:noFill/>
+        </p:spPr>
+        <p:txBody>
+          <a:bodyPr wrap="square" rtlCol="0">
+            <a:spAutoFit/>
+          </a:bodyPr>
+          <a:lstStyle/>
+          <a:p>
+            <a:pPr algn="just"/>
+            <a:r>
+              <a:rPr lang="ru-RU" sz="1600" dirty="0"/>
+              <a:t>средства/ресурсы системы управления обучения </a:t>
+            </a:r>
+            <a:r>
+              <a:rPr lang="en-US" sz="1600" dirty="0"/>
+              <a:t>Moodle</a:t>
+            </a:r>
+            <a:r>
+              <a:rPr lang="ru-RU" sz="1600" dirty="0"/>
+              <a:t> </a:t>
+            </a:r>
+            <a:r>
+              <a:rPr lang="ru-RU" sz="1600" i="1" dirty="0"/>
+              <a:t>(форум, электронная почта, чат, внутри каждого курса обмен вложенными файлами и личными сообщениями)</a:t>
+            </a:r>
+            <a:endParaRPr lang="ru-RU" sz="1600" dirty="0"/>
+          </a:p>
+        </p:txBody>
+      </p:sp>
+      <p:pic>
+        <p:nvPicPr>
+          <p:cNvPr id="5" name="Picture 3"/>
+          <p:cNvPicPr>
+            <a:picLocks noChangeAspect="1" noChangeArrowheads="1"/>
+          </p:cNvPicPr>
+          <p:nvPr/>
+        </p:nvPicPr>
+        <p:blipFill>
+          <a:blip r:embed="rId2" cstate="print">
+            <a:extLst>
+              <a:ext uri="{28A0092B-C50C-407E-A947-70E740481C1C}">
+                <a14:useLocalDpi xmlns:a14="http://schemas.microsoft.com/office/drawing/2010/main" val="0"/>
+              </a:ext>
+            </a:extLst>
+          </a:blip>
+          <a:srcRect/>
+          <a:stretch>
+            <a:fillRect/>
+          </a:stretch>
+        </p:blipFill>
+        <p:spPr bwMode="auto">
+          <a:xfrm>
+            <a:off x="3282268" y="697260"/>
+            <a:ext cx="1361740" cy="459028"/>
+          </a:xfrm>
+          <a:prstGeom prst="roundRect">
+            <a:avLst>
+              <a:gd name="adj" fmla="val 8594"/>
+            </a:avLst>
+          </a:prstGeom>
+          <a:solidFill>
+            <a:srgbClr val="FFFFFF">
+              <a:shade val="85000"/>
+            </a:srgbClr>
+          </a:solidFill>
+          <a:ln>
+            <a:noFill/>
+          </a:ln>
+          <a:effectLst>
+            <a:reflection blurRad="12700" stA="38000" endPos="28000" dist="5000" dir="5400000" sy="-100000" algn="bl" rotWithShape="0"/>
+          </a:effectLst>
+          <a:extLst>
+            <a:ext uri="{909E8E84-426E-40DD-AFC4-6F175D3DCCD1}">
+              <a14:hiddenFill xmlns:a14="http://schemas.microsoft.com/office/drawing/2010/main">
+                <a:solidFill>
+                  <a:schemeClr val="accent1"/>
+                </a:solidFill>
+              </a14:hiddenFill>
+            </a:ext>
+            <a:ext uri="{91240B29-F687-4F45-9708-019B960494DF}">
+              <a14:hiddenLine xmlns:a14="http://schemas.microsoft.com/office/drawing/2010/main" w="9525">
+                <a:solidFill>
+                  <a:schemeClr val="tx1"/>
+                </a:solidFill>
+                <a:miter lim="800000"/>
+                <a:headEnd/>
+                <a:tailEnd/>
+              </a14:hiddenLine>
+            </a:ext>
+          </a:extLst>
+        </p:spPr>
+      </p:pic>
+      <p:sp>
+        <p:nvSpPr>
+          <p:cNvPr id="6" name="Прямоугольник 5"/>
           <p:cNvSpPr/>
           <p:nvPr/>
         </p:nvSpPr>
         <p:spPr>
           <a:xfrm>
-            <a:off x="323528" y="1489348"/>
-            <a:ext cx="8568952" cy="3416320"/>
+            <a:off x="4731736" y="1993404"/>
+            <a:ext cx="3960440" cy="584775"/>
           </a:xfrm>
           <a:prstGeom prst="rect">
             <a:avLst/>
@@ -9780,162 +10224,421 @@
           </a:bodyPr>
           <a:lstStyle/>
           <a:p>
-            <a:pPr marL="285750" lvl="0" indent="-285750" algn="just">
-              <a:lnSpc>
-                <a:spcPct val="150000"/>
-              </a:lnSpc>
-              <a:buFont typeface="Wingdings" panose="05000000000000000000" pitchFamily="2" charset="2"/>
-              <a:buChar char="ü"/>
-            </a:pPr>
-            <a:r>
-              <a:rPr lang="ru-RU" dirty="0"/>
-              <a:t>средства/ресурсы системы управления обучения </a:t>
-            </a:r>
-            <a:r>
-              <a:rPr lang="en-US" dirty="0"/>
-              <a:t>Moodle</a:t>
-            </a:r>
-            <a:r>
-              <a:rPr lang="ru-RU" dirty="0"/>
+            <a:pPr lvl="0" algn="just"/>
+            <a:r>
+              <a:rPr lang="ru-RU" sz="1600" dirty="0"/>
+              <a:t>платформы для видеоконференций </a:t>
+            </a:r>
+            <a:r>
+              <a:rPr lang="ru-RU" sz="1600" i="1" dirty="0"/>
+              <a:t>(</a:t>
+            </a:r>
+            <a:r>
+              <a:rPr lang="ru-RU" sz="1600" i="1" dirty="0" err="1"/>
+              <a:t>Zoom</a:t>
+            </a:r>
+            <a:r>
+              <a:rPr lang="ru-RU" sz="1600" i="1" dirty="0"/>
+              <a:t>, </a:t>
+            </a:r>
+            <a:r>
+              <a:rPr lang="ru-RU" sz="1600" i="1" dirty="0" err="1"/>
+              <a:t>Google</a:t>
+            </a:r>
+            <a:r>
+              <a:rPr lang="ru-RU" sz="1600" i="1" dirty="0"/>
               <a:t> </a:t>
             </a:r>
             <a:r>
-              <a:rPr lang="ru-RU" i="1" dirty="0"/>
-              <a:t>(форум, электронная почта, чат, внутри каждого курса обмен вложенными файлами и личными сообщениями</a:t>
-            </a:r>
-            <a:r>
-              <a:rPr lang="ru-RU" i="1" dirty="0" smtClean="0"/>
-              <a:t>);</a:t>
-            </a:r>
-            <a:endParaRPr lang="ru-RU" i="1" dirty="0"/>
-          </a:p>
-          <a:p>
-            <a:pPr marL="285750" lvl="0" indent="-285750" algn="just">
-              <a:lnSpc>
-                <a:spcPct val="150000"/>
-              </a:lnSpc>
-              <a:buFont typeface="Wingdings" panose="05000000000000000000" pitchFamily="2" charset="2"/>
-              <a:buChar char="ü"/>
-            </a:pPr>
-            <a:r>
-              <a:rPr lang="ru-RU" dirty="0"/>
-              <a:t>платформы для видеоконференций </a:t>
-            </a:r>
-            <a:r>
-              <a:rPr lang="ru-RU" dirty="0" smtClean="0"/>
-              <a:t> </a:t>
-            </a:r>
-            <a:r>
-              <a:rPr lang="ru-RU" i="1" dirty="0" smtClean="0"/>
+              <a:rPr lang="ru-RU" sz="1600" i="1" dirty="0" err="1" smtClean="0"/>
+              <a:t>Meet</a:t>
+            </a:r>
+            <a:r>
+              <a:rPr lang="ru-RU" sz="1600" i="1" dirty="0" smtClean="0"/>
+              <a:t>)</a:t>
+            </a:r>
+            <a:endParaRPr lang="ru-RU" sz="1600" i="1" dirty="0"/>
+          </a:p>
+        </p:txBody>
+      </p:sp>
+      <p:pic>
+        <p:nvPicPr>
+          <p:cNvPr id="7" name="Picture 2"/>
+          <p:cNvPicPr>
+            <a:picLocks noChangeAspect="1" noChangeArrowheads="1"/>
+          </p:cNvPicPr>
+          <p:nvPr/>
+        </p:nvPicPr>
+        <p:blipFill>
+          <a:blip r:embed="rId3" cstate="print">
+            <a:extLst>
+              <a:ext uri="{28A0092B-C50C-407E-A947-70E740481C1C}">
+                <a14:useLocalDpi xmlns:a14="http://schemas.microsoft.com/office/drawing/2010/main" val="0"/>
+              </a:ext>
+            </a:extLst>
+          </a:blip>
+          <a:srcRect/>
+          <a:stretch>
+            <a:fillRect/>
+          </a:stretch>
+        </p:blipFill>
+        <p:spPr bwMode="auto">
+          <a:xfrm>
+            <a:off x="3268079" y="2059588"/>
+            <a:ext cx="680414" cy="452403"/>
+          </a:xfrm>
+          <a:prstGeom prst="rect">
+            <a:avLst/>
+          </a:prstGeom>
+          <a:ln>
+            <a:noFill/>
+          </a:ln>
+          <a:effectLst>
+            <a:outerShdw blurRad="190500" algn="tl" rotWithShape="0">
+              <a:srgbClr val="000000">
+                <a:alpha val="70000"/>
+              </a:srgbClr>
+            </a:outerShdw>
+          </a:effectLst>
+          <a:extLst>
+            <a:ext uri="{909E8E84-426E-40DD-AFC4-6F175D3DCCD1}">
+              <a14:hiddenFill xmlns:a14="http://schemas.microsoft.com/office/drawing/2010/main">
+                <a:solidFill>
+                  <a:schemeClr val="accent1"/>
+                </a:solidFill>
+              </a14:hiddenFill>
+            </a:ext>
+            <a:ext uri="{91240B29-F687-4F45-9708-019B960494DF}">
+              <a14:hiddenLine xmlns:a14="http://schemas.microsoft.com/office/drawing/2010/main" w="9525">
+                <a:solidFill>
+                  <a:schemeClr val="tx1"/>
+                </a:solidFill>
+                <a:miter lim="800000"/>
+                <a:headEnd/>
+                <a:tailEnd/>
+              </a14:hiddenLine>
+            </a:ext>
+          </a:extLst>
+        </p:spPr>
+      </p:pic>
+      <p:pic>
+        <p:nvPicPr>
+          <p:cNvPr id="8" name="Picture 3"/>
+          <p:cNvPicPr>
+            <a:picLocks noChangeAspect="1" noChangeArrowheads="1"/>
+          </p:cNvPicPr>
+          <p:nvPr/>
+        </p:nvPicPr>
+        <p:blipFill rotWithShape="1">
+          <a:blip r:embed="rId4" cstate="print">
+            <a:extLst>
+              <a:ext uri="{28A0092B-C50C-407E-A947-70E740481C1C}">
+                <a14:useLocalDpi xmlns:a14="http://schemas.microsoft.com/office/drawing/2010/main" val="0"/>
+              </a:ext>
+            </a:extLst>
+          </a:blip>
+          <a:srcRect t="6180" r="9308" b="21252"/>
+          <a:stretch/>
+        </p:blipFill>
+        <p:spPr bwMode="auto">
+          <a:xfrm>
+            <a:off x="4052847" y="2059589"/>
+            <a:ext cx="591161" cy="452403"/>
+          </a:xfrm>
+          <a:prstGeom prst="rect">
+            <a:avLst/>
+          </a:prstGeom>
+          <a:ln>
+            <a:noFill/>
+          </a:ln>
+          <a:effectLst>
+            <a:outerShdw blurRad="190500" algn="tl" rotWithShape="0">
+              <a:srgbClr val="000000">
+                <a:alpha val="70000"/>
+              </a:srgbClr>
+            </a:outerShdw>
+          </a:effectLst>
+          <a:extLst>
+            <a:ext uri="{909E8E84-426E-40DD-AFC4-6F175D3DCCD1}">
+              <a14:hiddenFill xmlns:a14="http://schemas.microsoft.com/office/drawing/2010/main">
+                <a:solidFill>
+                  <a:schemeClr val="accent1"/>
+                </a:solidFill>
+              </a14:hiddenFill>
+            </a:ext>
+            <a:ext uri="{91240B29-F687-4F45-9708-019B960494DF}">
+              <a14:hiddenLine xmlns:a14="http://schemas.microsoft.com/office/drawing/2010/main" w="9525">
+                <a:solidFill>
+                  <a:schemeClr val="tx1"/>
+                </a:solidFill>
+                <a:miter lim="800000"/>
+                <a:headEnd/>
+                <a:tailEnd/>
+              </a14:hiddenLine>
+            </a:ext>
+          </a:extLst>
+        </p:spPr>
+      </p:pic>
+      <p:sp>
+        <p:nvSpPr>
+          <p:cNvPr id="9" name="Прямоугольник 8"/>
+          <p:cNvSpPr/>
+          <p:nvPr/>
+        </p:nvSpPr>
+        <p:spPr>
+          <a:xfrm>
+            <a:off x="4731736" y="3051995"/>
+            <a:ext cx="3929000" cy="1077218"/>
+          </a:xfrm>
+          <a:prstGeom prst="rect">
+            <a:avLst/>
+          </a:prstGeom>
+        </p:spPr>
+        <p:txBody>
+          <a:bodyPr wrap="square">
+            <a:spAutoFit/>
+          </a:bodyPr>
+          <a:lstStyle/>
+          <a:p>
+            <a:pPr lvl="0" algn="just"/>
+            <a:r>
+              <a:rPr lang="ru-RU" sz="1600" dirty="0"/>
+              <a:t>программное обеспечение для удаленных доступа, управления и обслуживания компьютеров (</a:t>
+            </a:r>
+            <a:r>
+              <a:rPr lang="ru-RU" sz="1600" i="1" dirty="0" err="1"/>
+              <a:t>TeamViewer</a:t>
+            </a:r>
+            <a:r>
+              <a:rPr lang="ru-RU" sz="1600" i="1" dirty="0"/>
+              <a:t>, </a:t>
+            </a:r>
+            <a:r>
+              <a:rPr lang="ru-RU" sz="1600" i="1" dirty="0" err="1"/>
+              <a:t>AnyDesk</a:t>
+            </a:r>
+            <a:r>
+              <a:rPr lang="ru-RU" sz="1600" dirty="0"/>
+              <a:t>)</a:t>
+            </a:r>
+            <a:endParaRPr lang="ru-RU" sz="1600" dirty="0"/>
+          </a:p>
+        </p:txBody>
+      </p:sp>
+      <p:pic>
+        <p:nvPicPr>
+          <p:cNvPr id="10" name="Picture 5"/>
+          <p:cNvPicPr>
+            <a:picLocks noChangeAspect="1" noChangeArrowheads="1"/>
+          </p:cNvPicPr>
+          <p:nvPr/>
+        </p:nvPicPr>
+        <p:blipFill>
+          <a:blip r:embed="rId5" cstate="print">
+            <a:extLst>
+              <a:ext uri="{28A0092B-C50C-407E-A947-70E740481C1C}">
+                <a14:useLocalDpi xmlns:a14="http://schemas.microsoft.com/office/drawing/2010/main" val="0"/>
+              </a:ext>
+            </a:extLst>
+          </a:blip>
+          <a:srcRect/>
+          <a:stretch>
+            <a:fillRect/>
+          </a:stretch>
+        </p:blipFill>
+        <p:spPr bwMode="auto">
+          <a:xfrm>
+            <a:off x="3348897" y="3701309"/>
+            <a:ext cx="1152128" cy="308319"/>
+          </a:xfrm>
+          <a:prstGeom prst="rect">
+            <a:avLst/>
+          </a:prstGeom>
+          <a:noFill/>
+          <a:ln>
+            <a:noFill/>
+          </a:ln>
+          <a:extLst>
+            <a:ext uri="{909E8E84-426E-40DD-AFC4-6F175D3DCCD1}">
+              <a14:hiddenFill xmlns:a14="http://schemas.microsoft.com/office/drawing/2010/main">
+                <a:solidFill>
+                  <a:schemeClr val="accent1"/>
+                </a:solidFill>
+              </a14:hiddenFill>
+            </a:ext>
+            <a:ext uri="{91240B29-F687-4F45-9708-019B960494DF}">
+              <a14:hiddenLine xmlns:a14="http://schemas.microsoft.com/office/drawing/2010/main" w="9525">
+                <a:solidFill>
+                  <a:schemeClr val="tx1"/>
+                </a:solidFill>
+                <a:miter lim="800000"/>
+                <a:headEnd/>
+                <a:tailEnd/>
+              </a14:hiddenLine>
+            </a:ext>
+          </a:extLst>
+        </p:spPr>
+      </p:pic>
+      <p:pic>
+        <p:nvPicPr>
+          <p:cNvPr id="11" name="Picture 6"/>
+          <p:cNvPicPr>
+            <a:picLocks noChangeAspect="1" noChangeArrowheads="1"/>
+          </p:cNvPicPr>
+          <p:nvPr/>
+        </p:nvPicPr>
+        <p:blipFill>
+          <a:blip r:embed="rId6" cstate="print">
+            <a:extLst>
+              <a:ext uri="{28A0092B-C50C-407E-A947-70E740481C1C}">
+                <a14:useLocalDpi xmlns:a14="http://schemas.microsoft.com/office/drawing/2010/main" val="0"/>
+              </a:ext>
+            </a:extLst>
+          </a:blip>
+          <a:srcRect/>
+          <a:stretch>
+            <a:fillRect/>
+          </a:stretch>
+        </p:blipFill>
+        <p:spPr bwMode="auto">
+          <a:xfrm>
+            <a:off x="3367659" y="3082029"/>
+            <a:ext cx="1303692" cy="390293"/>
+          </a:xfrm>
+          <a:prstGeom prst="rect">
+            <a:avLst/>
+          </a:prstGeom>
+          <a:noFill/>
+          <a:ln>
+            <a:noFill/>
+          </a:ln>
+          <a:extLst>
+            <a:ext uri="{909E8E84-426E-40DD-AFC4-6F175D3DCCD1}">
+              <a14:hiddenFill xmlns:a14="http://schemas.microsoft.com/office/drawing/2010/main">
+                <a:solidFill>
+                  <a:schemeClr val="accent1"/>
+                </a:solidFill>
+              </a14:hiddenFill>
+            </a:ext>
+            <a:ext uri="{91240B29-F687-4F45-9708-019B960494DF}">
+              <a14:hiddenLine xmlns:a14="http://schemas.microsoft.com/office/drawing/2010/main" w="9525">
+                <a:solidFill>
+                  <a:schemeClr val="tx1"/>
+                </a:solidFill>
+                <a:miter lim="800000"/>
+                <a:headEnd/>
+                <a:tailEnd/>
+              </a14:hiddenLine>
+            </a:ext>
+          </a:extLst>
+        </p:spPr>
+      </p:pic>
+      <p:sp>
+        <p:nvSpPr>
+          <p:cNvPr id="12" name="Прямоугольник 11"/>
+          <p:cNvSpPr/>
+          <p:nvPr/>
+        </p:nvSpPr>
+        <p:spPr>
+          <a:xfrm>
+            <a:off x="4747456" y="4631263"/>
+            <a:ext cx="3496470" cy="338554"/>
+          </a:xfrm>
+          <a:prstGeom prst="rect">
+            <a:avLst/>
+          </a:prstGeom>
+        </p:spPr>
+        <p:txBody>
+          <a:bodyPr wrap="none">
+            <a:spAutoFit/>
+          </a:bodyPr>
+          <a:lstStyle/>
+          <a:p>
+            <a:pPr algn="just"/>
+            <a:r>
+              <a:rPr lang="ru-RU" sz="1600" dirty="0"/>
+              <a:t>система контроля версий </a:t>
+            </a:r>
+            <a:r>
+              <a:rPr lang="ru-RU" sz="1600" i="1" dirty="0"/>
               <a:t>(</a:t>
             </a:r>
             <a:r>
-              <a:rPr lang="ru-RU" i="1" dirty="0" err="1"/>
-              <a:t>Zoom</a:t>
-            </a:r>
-            <a:r>
-              <a:rPr lang="ru-RU" i="1" dirty="0"/>
-              <a:t>, </a:t>
-            </a:r>
-            <a:r>
-              <a:rPr lang="ru-RU" i="1" dirty="0" err="1"/>
-              <a:t>Google</a:t>
-            </a:r>
-            <a:r>
-              <a:rPr lang="ru-RU" i="1" dirty="0"/>
-              <a:t> </a:t>
-            </a:r>
-            <a:r>
-              <a:rPr lang="ru-RU" i="1" dirty="0" err="1"/>
-              <a:t>Meet</a:t>
-            </a:r>
-            <a:r>
-              <a:rPr lang="ru-RU" i="1" dirty="0"/>
-              <a:t>);</a:t>
-            </a:r>
-          </a:p>
-          <a:p>
-            <a:pPr marL="285750" lvl="0" indent="-285750" algn="just">
-              <a:lnSpc>
-                <a:spcPct val="150000"/>
-              </a:lnSpc>
-              <a:buFont typeface="Wingdings" panose="05000000000000000000" pitchFamily="2" charset="2"/>
-              <a:buChar char="ü"/>
-            </a:pPr>
-            <a:r>
-              <a:rPr lang="ru-RU" dirty="0"/>
-              <a:t>программное обеспечение для удаленного доступа, удаленного управления и удаленного обслуживания компьютеров и других конечных устройств </a:t>
-            </a:r>
-            <a:r>
-              <a:rPr lang="ru-RU" i="1" dirty="0"/>
-              <a:t>(платформы </a:t>
-            </a:r>
-            <a:r>
-              <a:rPr lang="ru-RU" i="1" dirty="0" err="1"/>
-              <a:t>TeamViewer</a:t>
-            </a:r>
-            <a:r>
-              <a:rPr lang="ru-RU" i="1" dirty="0"/>
-              <a:t>, </a:t>
-            </a:r>
-            <a:r>
-              <a:rPr lang="ru-RU" i="1" dirty="0" err="1"/>
-              <a:t>AnyDesk</a:t>
-            </a:r>
-            <a:r>
-              <a:rPr lang="ru-RU" i="1" dirty="0"/>
-              <a:t>);</a:t>
-            </a:r>
-          </a:p>
-          <a:p>
-            <a:pPr marL="285750" indent="-285750" algn="just">
-              <a:lnSpc>
-                <a:spcPct val="150000"/>
-              </a:lnSpc>
-              <a:buFont typeface="Wingdings" panose="05000000000000000000" pitchFamily="2" charset="2"/>
-              <a:buChar char="ü"/>
-            </a:pPr>
-            <a:r>
-              <a:rPr lang="ru-RU" dirty="0"/>
-              <a:t>системы контроля версий  </a:t>
-            </a:r>
-            <a:r>
-              <a:rPr lang="ru-RU" i="1" dirty="0" smtClean="0"/>
-              <a:t>(</a:t>
-            </a:r>
-            <a:r>
-              <a:rPr lang="en-US" i="1" dirty="0" smtClean="0"/>
-              <a:t>GitHub Desktop, </a:t>
-            </a:r>
-            <a:r>
-              <a:rPr lang="ru-RU" i="1" dirty="0" err="1" smtClean="0"/>
+              <a:rPr lang="ru-RU" sz="1600" i="1" dirty="0" err="1"/>
               <a:t>GitHub</a:t>
             </a:r>
             <a:r>
-              <a:rPr lang="ru-RU" i="1" dirty="0" smtClean="0"/>
+              <a:rPr lang="ru-RU" sz="1600" i="1" dirty="0"/>
               <a:t>)</a:t>
             </a:r>
-            <a:endParaRPr lang="ru-RU" i="1" dirty="0"/>
-          </a:p>
-        </p:txBody>
-      </p:sp>
+            <a:endParaRPr lang="ru-RU" sz="1600" i="1" dirty="0"/>
+          </a:p>
+        </p:txBody>
+      </p:sp>
+      <p:pic>
+        <p:nvPicPr>
+          <p:cNvPr id="13" name="Picture 7"/>
+          <p:cNvPicPr>
+            <a:picLocks noChangeAspect="1" noChangeArrowheads="1"/>
+          </p:cNvPicPr>
+          <p:nvPr/>
+        </p:nvPicPr>
+        <p:blipFill>
+          <a:blip r:embed="rId7">
+            <a:extLst>
+              <a:ext uri="{28A0092B-C50C-407E-A947-70E740481C1C}">
+                <a14:useLocalDpi xmlns:a14="http://schemas.microsoft.com/office/drawing/2010/main" val="0"/>
+              </a:ext>
+            </a:extLst>
+          </a:blip>
+          <a:srcRect/>
+          <a:stretch>
+            <a:fillRect/>
+          </a:stretch>
+        </p:blipFill>
+        <p:spPr bwMode="auto">
+          <a:xfrm>
+            <a:off x="3261841" y="4513121"/>
+            <a:ext cx="1369970" cy="574839"/>
+          </a:xfrm>
+          <a:prstGeom prst="rect">
+            <a:avLst/>
+          </a:prstGeom>
+          <a:noFill/>
+          <a:ln>
+            <a:noFill/>
+          </a:ln>
+          <a:extLst>
+            <a:ext uri="{909E8E84-426E-40DD-AFC4-6F175D3DCCD1}">
+              <a14:hiddenFill xmlns:a14="http://schemas.microsoft.com/office/drawing/2010/main">
+                <a:solidFill>
+                  <a:schemeClr val="accent1"/>
+                </a:solidFill>
+              </a14:hiddenFill>
+            </a:ext>
+            <a:ext uri="{91240B29-F687-4F45-9708-019B960494DF}">
+              <a14:hiddenLine xmlns:a14="http://schemas.microsoft.com/office/drawing/2010/main" w="9525">
+                <a:solidFill>
+                  <a:schemeClr val="tx1"/>
+                </a:solidFill>
+                <a:miter lim="800000"/>
+                <a:headEnd/>
+                <a:tailEnd/>
+              </a14:hiddenLine>
+            </a:ext>
+          </a:extLst>
+        </p:spPr>
+      </p:pic>
     </p:spTree>
     <p:extLst>
       <p:ext uri="{BB962C8B-B14F-4D97-AF65-F5344CB8AC3E}">
-        <p14:creationId xmlns:p14="http://schemas.microsoft.com/office/powerpoint/2010/main" val="4171920490"/>
+        <p14:creationId xmlns:p14="http://schemas.microsoft.com/office/powerpoint/2010/main" val="854855033"/>
       </p:ext>
     </p:extLst>
   </p:cSld>
   <p:clrMapOvr>
     <a:masterClrMapping/>
   </p:clrMapOvr>
-  <p:timing>
-    <p:tnLst>
-      <p:par>
-        <p:cTn id="1" dur="indefinite" restart="never" nodeType="tmRoot"/>
-      </p:par>
-    </p:tnLst>
-  </p:timing>
 </p:sld>
 </file>
 
